--- a/Projet/touche_piano.pptx
+++ b/Projet/touche_piano.pptx
@@ -244,7 +244,7 @@
           <a:p>
             <a:fld id="{C0055855-9662-4811-80D5-C56DA716D999}" type="datetimeFigureOut">
               <a:rPr lang="fr-FR" smtClean="0"/>
-              <a:t>30/05/2023</a:t>
+              <a:t>19/06/2023</a:t>
             </a:fld>
             <a:endParaRPr lang="fr-FR"/>
           </a:p>
@@ -414,7 +414,7 @@
           <a:p>
             <a:fld id="{C0055855-9662-4811-80D5-C56DA716D999}" type="datetimeFigureOut">
               <a:rPr lang="fr-FR" smtClean="0"/>
-              <a:t>30/05/2023</a:t>
+              <a:t>19/06/2023</a:t>
             </a:fld>
             <a:endParaRPr lang="fr-FR"/>
           </a:p>
@@ -594,7 +594,7 @@
           <a:p>
             <a:fld id="{C0055855-9662-4811-80D5-C56DA716D999}" type="datetimeFigureOut">
               <a:rPr lang="fr-FR" smtClean="0"/>
-              <a:t>30/05/2023</a:t>
+              <a:t>19/06/2023</a:t>
             </a:fld>
             <a:endParaRPr lang="fr-FR"/>
           </a:p>
@@ -764,7 +764,7 @@
           <a:p>
             <a:fld id="{C0055855-9662-4811-80D5-C56DA716D999}" type="datetimeFigureOut">
               <a:rPr lang="fr-FR" smtClean="0"/>
-              <a:t>30/05/2023</a:t>
+              <a:t>19/06/2023</a:t>
             </a:fld>
             <a:endParaRPr lang="fr-FR"/>
           </a:p>
@@ -1010,7 +1010,7 @@
           <a:p>
             <a:fld id="{C0055855-9662-4811-80D5-C56DA716D999}" type="datetimeFigureOut">
               <a:rPr lang="fr-FR" smtClean="0"/>
-              <a:t>30/05/2023</a:t>
+              <a:t>19/06/2023</a:t>
             </a:fld>
             <a:endParaRPr lang="fr-FR"/>
           </a:p>
@@ -1242,7 +1242,7 @@
           <a:p>
             <a:fld id="{C0055855-9662-4811-80D5-C56DA716D999}" type="datetimeFigureOut">
               <a:rPr lang="fr-FR" smtClean="0"/>
-              <a:t>30/05/2023</a:t>
+              <a:t>19/06/2023</a:t>
             </a:fld>
             <a:endParaRPr lang="fr-FR"/>
           </a:p>
@@ -1609,7 +1609,7 @@
           <a:p>
             <a:fld id="{C0055855-9662-4811-80D5-C56DA716D999}" type="datetimeFigureOut">
               <a:rPr lang="fr-FR" smtClean="0"/>
-              <a:t>30/05/2023</a:t>
+              <a:t>19/06/2023</a:t>
             </a:fld>
             <a:endParaRPr lang="fr-FR"/>
           </a:p>
@@ -1727,7 +1727,7 @@
           <a:p>
             <a:fld id="{C0055855-9662-4811-80D5-C56DA716D999}" type="datetimeFigureOut">
               <a:rPr lang="fr-FR" smtClean="0"/>
-              <a:t>30/05/2023</a:t>
+              <a:t>19/06/2023</a:t>
             </a:fld>
             <a:endParaRPr lang="fr-FR"/>
           </a:p>
@@ -1822,7 +1822,7 @@
           <a:p>
             <a:fld id="{C0055855-9662-4811-80D5-C56DA716D999}" type="datetimeFigureOut">
               <a:rPr lang="fr-FR" smtClean="0"/>
-              <a:t>30/05/2023</a:t>
+              <a:t>19/06/2023</a:t>
             </a:fld>
             <a:endParaRPr lang="fr-FR"/>
           </a:p>
@@ -2099,7 +2099,7 @@
           <a:p>
             <a:fld id="{C0055855-9662-4811-80D5-C56DA716D999}" type="datetimeFigureOut">
               <a:rPr lang="fr-FR" smtClean="0"/>
-              <a:t>30/05/2023</a:t>
+              <a:t>19/06/2023</a:t>
             </a:fld>
             <a:endParaRPr lang="fr-FR"/>
           </a:p>
@@ -2352,7 +2352,7 @@
           <a:p>
             <a:fld id="{C0055855-9662-4811-80D5-C56DA716D999}" type="datetimeFigureOut">
               <a:rPr lang="fr-FR" smtClean="0"/>
-              <a:t>30/05/2023</a:t>
+              <a:t>19/06/2023</a:t>
             </a:fld>
             <a:endParaRPr lang="fr-FR"/>
           </a:p>
@@ -2565,7 +2565,7 @@
           <a:p>
             <a:fld id="{C0055855-9662-4811-80D5-C56DA716D999}" type="datetimeFigureOut">
               <a:rPr lang="fr-FR" smtClean="0"/>
-              <a:t>30/05/2023</a:t>
+              <a:t>19/06/2023</a:t>
             </a:fld>
             <a:endParaRPr lang="fr-FR"/>
           </a:p>
@@ -3503,6 +3503,16 @@
 <file path=ppt/slides/slide2.xml><?xml version="1.0" encoding="utf-8"?>
 <p:sld xmlns:a="http://schemas.openxmlformats.org/drawingml/2006/main" xmlns:r="http://schemas.openxmlformats.org/officeDocument/2006/relationships" xmlns:p="http://schemas.openxmlformats.org/presentationml/2006/main">
   <p:cSld>
+    <p:bg>
+      <p:bgPr>
+        <a:solidFill>
+          <a:schemeClr val="bg1">
+            <a:alpha val="0"/>
+          </a:schemeClr>
+        </a:solidFill>
+        <a:effectLst/>
+      </p:bgPr>
+    </p:bg>
     <p:spTree>
       <p:nvGrpSpPr>
         <p:cNvPr id="1" name=""/>
@@ -3519,38 +3529,133 @@
       </p:grpSpPr>
       <p:sp>
         <p:nvSpPr>
-          <p:cNvPr id="2" name="Titre 1"/>
-          <p:cNvSpPr>
-            <a:spLocks noGrp="1"/>
-          </p:cNvSpPr>
-          <p:nvPr>
-            <p:ph type="title"/>
-          </p:nvPr>
-        </p:nvSpPr>
-        <p:spPr/>
-        <p:txBody>
-          <a:bodyPr/>
-          <a:lstStyle/>
-          <a:p>
-            <a:endParaRPr lang="fr-FR"/>
-          </a:p>
-        </p:txBody>
-      </p:sp>
-      <p:sp>
-        <p:nvSpPr>
-          <p:cNvPr id="3" name="Espace réservé du contenu 2"/>
-          <p:cNvSpPr>
-            <a:spLocks noGrp="1"/>
-          </p:cNvSpPr>
-          <p:nvPr>
-            <p:ph idx="1"/>
-          </p:nvPr>
-        </p:nvSpPr>
-        <p:spPr/>
-        <p:txBody>
-          <a:bodyPr/>
-          <a:lstStyle/>
-          <a:p>
+          <p:cNvPr id="4" name="Rectangle à coins arrondis 3"/>
+          <p:cNvSpPr/>
+          <p:nvPr/>
+        </p:nvSpPr>
+        <p:spPr>
+          <a:xfrm>
+            <a:off x="6927454" y="1147156"/>
+            <a:ext cx="972589" cy="3790604"/>
+          </a:xfrm>
+          <a:prstGeom prst="roundRect">
+            <a:avLst/>
+          </a:prstGeom>
+          <a:solidFill>
+            <a:schemeClr val="bg1">
+              <a:lumMod val="75000"/>
+            </a:schemeClr>
+          </a:solidFill>
+          <a:ln>
+            <a:noFill/>
+          </a:ln>
+          <a:effectLst>
+            <a:outerShdw blurRad="50800" dist="38100" dir="5400000" algn="t" rotWithShape="0">
+              <a:prstClr val="black">
+                <a:alpha val="40000"/>
+              </a:prstClr>
+            </a:outerShdw>
+          </a:effectLst>
+          <a:scene3d>
+            <a:camera prst="orthographicFront">
+              <a:rot lat="0" lon="0" rev="0"/>
+            </a:camera>
+            <a:lightRig rig="glow" dir="t">
+              <a:rot lat="0" lon="0" rev="14100000"/>
+            </a:lightRig>
+          </a:scene3d>
+          <a:sp3d prstMaterial="softEdge">
+            <a:bevelT w="127000" prst="artDeco"/>
+          </a:sp3d>
+        </p:spPr>
+        <p:style>
+          <a:lnRef idx="2">
+            <a:schemeClr val="dk1">
+              <a:shade val="50000"/>
+            </a:schemeClr>
+          </a:lnRef>
+          <a:fillRef idx="1">
+            <a:schemeClr val="dk1"/>
+          </a:fillRef>
+          <a:effectRef idx="0">
+            <a:schemeClr val="dk1"/>
+          </a:effectRef>
+          <a:fontRef idx="minor">
+            <a:schemeClr val="lt1"/>
+          </a:fontRef>
+        </p:style>
+        <p:txBody>
+          <a:bodyPr rtlCol="0" anchor="ctr"/>
+          <a:lstStyle/>
+          <a:p>
+            <a:pPr algn="ctr"/>
+            <a:endParaRPr lang="fr-FR"/>
+          </a:p>
+        </p:txBody>
+      </p:sp>
+      <p:sp>
+        <p:nvSpPr>
+          <p:cNvPr id="6" name="Rectangle à coins arrondis 5"/>
+          <p:cNvSpPr/>
+          <p:nvPr/>
+        </p:nvSpPr>
+        <p:spPr>
+          <a:xfrm>
+            <a:off x="2389140" y="868678"/>
+            <a:ext cx="756456" cy="2518759"/>
+          </a:xfrm>
+          <a:prstGeom prst="roundRect">
+            <a:avLst/>
+          </a:prstGeom>
+          <a:solidFill>
+            <a:schemeClr val="tx1">
+              <a:lumMod val="50000"/>
+              <a:lumOff val="50000"/>
+            </a:schemeClr>
+          </a:solidFill>
+          <a:ln>
+            <a:noFill/>
+          </a:ln>
+          <a:effectLst>
+            <a:outerShdw blurRad="50800" dist="38100" dir="5400000" algn="t" rotWithShape="0">
+              <a:prstClr val="black">
+                <a:alpha val="40000"/>
+              </a:prstClr>
+            </a:outerShdw>
+          </a:effectLst>
+          <a:scene3d>
+            <a:camera prst="orthographicFront">
+              <a:rot lat="0" lon="0" rev="0"/>
+            </a:camera>
+            <a:lightRig rig="glow" dir="t">
+              <a:rot lat="0" lon="0" rev="14100000"/>
+            </a:lightRig>
+          </a:scene3d>
+          <a:sp3d prstMaterial="softEdge">
+            <a:bevelT w="127000" prst="artDeco"/>
+          </a:sp3d>
+        </p:spPr>
+        <p:style>
+          <a:lnRef idx="2">
+            <a:schemeClr val="dk1">
+              <a:shade val="50000"/>
+            </a:schemeClr>
+          </a:lnRef>
+          <a:fillRef idx="1">
+            <a:schemeClr val="dk1"/>
+          </a:fillRef>
+          <a:effectRef idx="0">
+            <a:schemeClr val="dk1"/>
+          </a:effectRef>
+          <a:fontRef idx="minor">
+            <a:schemeClr val="lt1"/>
+          </a:fontRef>
+        </p:style>
+        <p:txBody>
+          <a:bodyPr rtlCol="0" anchor="ctr"/>
+          <a:lstStyle/>
+          <a:p>
+            <a:pPr algn="ctr"/>
             <a:endParaRPr lang="fr-FR"/>
           </a:p>
         </p:txBody>
@@ -3565,6 +3670,128 @@
   <p:clrMapOvr>
     <a:masterClrMapping/>
   </p:clrMapOvr>
+  <p:timing>
+    <p:tnLst>
+      <p:par>
+        <p:cTn id="1" dur="indefinite" restart="never" nodeType="tmRoot">
+          <p:childTnLst>
+            <p:seq concurrent="1" nextAc="seek">
+              <p:cTn id="2" dur="indefinite" nodeType="mainSeq">
+                <p:childTnLst>
+                  <p:par>
+                    <p:cTn id="3" fill="hold">
+                      <p:stCondLst>
+                        <p:cond delay="indefinite"/>
+                      </p:stCondLst>
+                      <p:childTnLst>
+                        <p:par>
+                          <p:cTn id="4" fill="hold">
+                            <p:stCondLst>
+                              <p:cond delay="0"/>
+                            </p:stCondLst>
+                            <p:childTnLst>
+                              <p:par>
+                                <p:cTn id="5" presetID="26" presetClass="emph" presetSubtype="0" fill="hold" grpId="0" nodeType="clickEffect">
+                                  <p:stCondLst>
+                                    <p:cond delay="0"/>
+                                  </p:stCondLst>
+                                  <p:childTnLst>
+                                    <p:animEffect transition="out" filter="fade">
+                                      <p:cBhvr>
+                                        <p:cTn id="6" dur="500" tmFilter="0, 0; .2, .5; .8, .5; 1, 0"/>
+                                        <p:tgtEl>
+                                          <p:spTgt spid="4"/>
+                                        </p:tgtEl>
+                                      </p:cBhvr>
+                                    </p:animEffect>
+                                    <p:animScale>
+                                      <p:cBhvr>
+                                        <p:cTn id="7" dur="250" autoRev="1" fill="hold"/>
+                                        <p:tgtEl>
+                                          <p:spTgt spid="4"/>
+                                        </p:tgtEl>
+                                      </p:cBhvr>
+                                      <p:by x="105000" y="105000"/>
+                                    </p:animScale>
+                                  </p:childTnLst>
+                                </p:cTn>
+                              </p:par>
+                            </p:childTnLst>
+                          </p:cTn>
+                        </p:par>
+                      </p:childTnLst>
+                    </p:cTn>
+                  </p:par>
+                  <p:par>
+                    <p:cTn id="8" fill="hold">
+                      <p:stCondLst>
+                        <p:cond delay="indefinite"/>
+                      </p:stCondLst>
+                      <p:childTnLst>
+                        <p:par>
+                          <p:cTn id="9" fill="hold">
+                            <p:stCondLst>
+                              <p:cond delay="0"/>
+                            </p:stCondLst>
+                            <p:childTnLst>
+                              <p:par>
+                                <p:cTn id="10" presetID="26" presetClass="emph" presetSubtype="0" fill="hold" grpId="0" nodeType="clickEffect">
+                                  <p:stCondLst>
+                                    <p:cond delay="0"/>
+                                  </p:stCondLst>
+                                  <p:childTnLst>
+                                    <p:animEffect transition="out" filter="fade">
+                                      <p:cBhvr>
+                                        <p:cTn id="11" dur="500" tmFilter="0, 0; .2, .5; .8, .5; 1, 0"/>
+                                        <p:tgtEl>
+                                          <p:spTgt spid="6"/>
+                                        </p:tgtEl>
+                                      </p:cBhvr>
+                                    </p:animEffect>
+                                    <p:animScale>
+                                      <p:cBhvr>
+                                        <p:cTn id="12" dur="250" autoRev="1" fill="hold"/>
+                                        <p:tgtEl>
+                                          <p:spTgt spid="6"/>
+                                        </p:tgtEl>
+                                      </p:cBhvr>
+                                      <p:by x="105000" y="105000"/>
+                                    </p:animScale>
+                                  </p:childTnLst>
+                                </p:cTn>
+                              </p:par>
+                            </p:childTnLst>
+                          </p:cTn>
+                        </p:par>
+                      </p:childTnLst>
+                    </p:cTn>
+                  </p:par>
+                </p:childTnLst>
+              </p:cTn>
+              <p:prevCondLst>
+                <p:cond evt="onPrev" delay="0">
+                  <p:tgtEl>
+                    <p:sldTgt/>
+                  </p:tgtEl>
+                </p:cond>
+              </p:prevCondLst>
+              <p:nextCondLst>
+                <p:cond evt="onNext" delay="0">
+                  <p:tgtEl>
+                    <p:sldTgt/>
+                  </p:tgtEl>
+                </p:cond>
+              </p:nextCondLst>
+            </p:seq>
+          </p:childTnLst>
+        </p:cTn>
+      </p:par>
+    </p:tnLst>
+    <p:bldLst>
+      <p:bldP spid="4" grpId="0" animBg="1"/>
+      <p:bldP spid="6" grpId="0" animBg="1"/>
+    </p:bldLst>
+  </p:timing>
 </p:sld>
 </file>
 
